--- a/Slides/Practical-1-Slides.pptx
+++ b/Slides/Practical-1-Slides.pptx
@@ -308,7 +308,7 @@
           <a:p>
             <a:fld id="{C99E7219-C2C6-084C-BE97-66A745AB2792}" type="datetimeFigureOut">
               <a:rPr lang="en-US" smtClean="0"/>
-              <a:t>1/20/25</a:t>
+              <a:t>1/27/25</a:t>
             </a:fld>
             <a:endParaRPr lang="en-US"/>
           </a:p>
@@ -506,7 +506,7 @@
           <a:p>
             <a:fld id="{C99E7219-C2C6-084C-BE97-66A745AB2792}" type="datetimeFigureOut">
               <a:rPr lang="en-US" smtClean="0"/>
-              <a:t>1/20/25</a:t>
+              <a:t>1/27/25</a:t>
             </a:fld>
             <a:endParaRPr lang="en-US"/>
           </a:p>
@@ -714,7 +714,7 @@
           <a:p>
             <a:fld id="{C99E7219-C2C6-084C-BE97-66A745AB2792}" type="datetimeFigureOut">
               <a:rPr lang="en-US" smtClean="0"/>
-              <a:t>1/20/25</a:t>
+              <a:t>1/27/25</a:t>
             </a:fld>
             <a:endParaRPr lang="en-US"/>
           </a:p>
@@ -912,7 +912,7 @@
           <a:p>
             <a:fld id="{C99E7219-C2C6-084C-BE97-66A745AB2792}" type="datetimeFigureOut">
               <a:rPr lang="en-US" smtClean="0"/>
-              <a:t>1/20/25</a:t>
+              <a:t>1/27/25</a:t>
             </a:fld>
             <a:endParaRPr lang="en-US"/>
           </a:p>
@@ -1187,7 +1187,7 @@
           <a:p>
             <a:fld id="{C99E7219-C2C6-084C-BE97-66A745AB2792}" type="datetimeFigureOut">
               <a:rPr lang="en-US" smtClean="0"/>
-              <a:t>1/20/25</a:t>
+              <a:t>1/27/25</a:t>
             </a:fld>
             <a:endParaRPr lang="en-US"/>
           </a:p>
@@ -1452,7 +1452,7 @@
           <a:p>
             <a:fld id="{C99E7219-C2C6-084C-BE97-66A745AB2792}" type="datetimeFigureOut">
               <a:rPr lang="en-US" smtClean="0"/>
-              <a:t>1/20/25</a:t>
+              <a:t>1/27/25</a:t>
             </a:fld>
             <a:endParaRPr lang="en-US"/>
           </a:p>
@@ -1864,7 +1864,7 @@
           <a:p>
             <a:fld id="{C99E7219-C2C6-084C-BE97-66A745AB2792}" type="datetimeFigureOut">
               <a:rPr lang="en-US" smtClean="0"/>
-              <a:t>1/20/25</a:t>
+              <a:t>1/27/25</a:t>
             </a:fld>
             <a:endParaRPr lang="en-US"/>
           </a:p>
@@ -2005,7 +2005,7 @@
           <a:p>
             <a:fld id="{C99E7219-C2C6-084C-BE97-66A745AB2792}" type="datetimeFigureOut">
               <a:rPr lang="en-US" smtClean="0"/>
-              <a:t>1/20/25</a:t>
+              <a:t>1/27/25</a:t>
             </a:fld>
             <a:endParaRPr lang="en-US"/>
           </a:p>
@@ -2118,7 +2118,7 @@
           <a:p>
             <a:fld id="{C99E7219-C2C6-084C-BE97-66A745AB2792}" type="datetimeFigureOut">
               <a:rPr lang="en-US" smtClean="0"/>
-              <a:t>1/20/25</a:t>
+              <a:t>1/27/25</a:t>
             </a:fld>
             <a:endParaRPr lang="en-US"/>
           </a:p>
@@ -2429,7 +2429,7 @@
           <a:p>
             <a:fld id="{C99E7219-C2C6-084C-BE97-66A745AB2792}" type="datetimeFigureOut">
               <a:rPr lang="en-US" smtClean="0"/>
-              <a:t>1/20/25</a:t>
+              <a:t>1/27/25</a:t>
             </a:fld>
             <a:endParaRPr lang="en-US"/>
           </a:p>
@@ -2717,7 +2717,7 @@
           <a:p>
             <a:fld id="{C99E7219-C2C6-084C-BE97-66A745AB2792}" type="datetimeFigureOut">
               <a:rPr lang="en-US" smtClean="0"/>
-              <a:t>1/20/25</a:t>
+              <a:t>1/27/25</a:t>
             </a:fld>
             <a:endParaRPr lang="en-US"/>
           </a:p>
@@ -2958,7 +2958,7 @@
           <a:p>
             <a:fld id="{C99E7219-C2C6-084C-BE97-66A745AB2792}" type="datetimeFigureOut">
               <a:rPr lang="en-US" smtClean="0"/>
-              <a:t>1/20/25</a:t>
+              <a:t>1/27/25</a:t>
             </a:fld>
             <a:endParaRPr lang="en-US"/>
           </a:p>
@@ -5049,8 +5049,8 @@
           </a:prstGeom>
         </p:spPr>
       </p:pic>
-      <mc:AlternateContent xmlns:mc="http://schemas.openxmlformats.org/markup-compatibility/2006">
-        <mc:Choice xmlns:a14="http://schemas.microsoft.com/office/drawing/2010/main" Requires="a14">
+      <mc:AlternateContent xmlns:mc="http://schemas.openxmlformats.org/markup-compatibility/2006" xmlns:a14="http://schemas.microsoft.com/office/drawing/2010/main">
+        <mc:Choice Requires="a14">
           <p:sp>
             <p:nvSpPr>
               <p:cNvPr id="8" name="TextBox 7">
@@ -5338,7 +5338,7 @@
             </p:txBody>
           </p:sp>
         </mc:Choice>
-        <mc:Fallback>
+        <mc:Fallback xmlns="">
           <p:sp>
             <p:nvSpPr>
               <p:cNvPr id="8" name="TextBox 7">
@@ -5475,7 +5475,20 @@
               <a:rPr lang="en-US" dirty="0">
                 <a:latin typeface="Century Gothic" panose="020B0502020202020204" pitchFamily="34" charset="0"/>
               </a:rPr>
-              <a:t>There are handouts on GitHub with questions and example code</a:t>
+              <a:t>There are handouts on GitHub with questions and example code: </a:t>
+            </a:r>
+            <a:r>
+              <a:rPr lang="en-US" dirty="0">
+                <a:latin typeface="Century Gothic" panose="020B0502020202020204" pitchFamily="34" charset="0"/>
+                <a:hlinkClick r:id="rId2"/>
+              </a:rPr>
+              <a:t>https://github.com/kraemer-lab/Mbiol-Practical-2025</a:t>
+            </a:r>
+            <a:r>
+              <a:rPr lang="en-US" dirty="0">
+                <a:latin typeface="Century Gothic" panose="020B0502020202020204" pitchFamily="34" charset="0"/>
+              </a:rPr>
+              <a:t> </a:t>
             </a:r>
           </a:p>
           <a:p>
